--- a/experiments/exp3/g1.pptx
+++ b/experiments/exp3/g1.pptx
@@ -310,7 +310,7 @@
                   <c:v>18.4375651925792</c:v>
                 </c:pt>
                 <c:pt idx="2">
-                  <c:v>9.218826</c:v>
+                  <c:v>9.218825999999998</c:v>
                 </c:pt>
                 <c:pt idx="3">
                   <c:v>4.6094668</c:v>
@@ -450,11 +450,11 @@
           </c:spPr>
         </c:dropLines>
         <c:smooth val="0"/>
-        <c:axId val="-2102592640"/>
-        <c:axId val="-2061716528"/>
+        <c:axId val="-2013921328"/>
+        <c:axId val="-2092754368"/>
       </c:lineChart>
       <c:catAx>
-        <c:axId val="-2102592640"/>
+        <c:axId val="-2013921328"/>
         <c:scaling>
           <c:orientation val="minMax"/>
         </c:scaling>
@@ -562,7 +562,7 @@
             <a:endParaRPr lang="en-US"/>
           </a:p>
         </c:txPr>
-        <c:crossAx val="-2061716528"/>
+        <c:crossAx val="-2092754368"/>
         <c:crosses val="autoZero"/>
         <c:auto val="1"/>
         <c:lblAlgn val="ctr"/>
@@ -570,7 +570,7 @@
         <c:noMultiLvlLbl val="0"/>
       </c:catAx>
       <c:valAx>
-        <c:axId val="-2061716528"/>
+        <c:axId val="-2092754368"/>
         <c:scaling>
           <c:orientation val="minMax"/>
         </c:scaling>
@@ -615,28 +615,8 @@
                     <a:ea typeface="Times New Roman" charset="0"/>
                     <a:cs typeface="Times New Roman" charset="0"/>
                   </a:rPr>
-                  <a:t>Seconds</a:t>
+                  <a:t>Time (Seconds)</a:t>
                 </a:r>
-              </a:p>
-              <a:p>
-                <a:pPr>
-                  <a:defRPr sz="1100">
-                    <a:solidFill>
-                      <a:schemeClr val="tx1"/>
-                    </a:solidFill>
-                    <a:latin typeface="Times New Roman" charset="0"/>
-                    <a:ea typeface="Times New Roman" charset="0"/>
-                    <a:cs typeface="Times New Roman" charset="0"/>
-                  </a:defRPr>
-                </a:pPr>
-                <a:endParaRPr lang="en-US" sz="1100">
-                  <a:solidFill>
-                    <a:schemeClr val="tx1"/>
-                  </a:solidFill>
-                  <a:latin typeface="Times New Roman" charset="0"/>
-                  <a:ea typeface="Times New Roman" charset="0"/>
-                  <a:cs typeface="Times New Roman" charset="0"/>
-                </a:endParaRPr>
               </a:p>
             </c:rich>
           </c:tx>
@@ -702,7 +682,7 @@
             <a:endParaRPr lang="en-US"/>
           </a:p>
         </c:txPr>
-        <c:crossAx val="-2102592640"/>
+        <c:crossAx val="-2013921328"/>
         <c:crosses val="autoZero"/>
         <c:crossBetween val="between"/>
       </c:valAx>
@@ -4203,20 +4183,20 @@
       </p:grpSpPr>
       <p:graphicFrame>
         <p:nvGraphicFramePr>
-          <p:cNvPr id="9" name="Chart 8"/>
+          <p:cNvPr id="3" name="Chart 2"/>
           <p:cNvGraphicFramePr>
             <a:graphicFrameLocks/>
           </p:cNvGraphicFramePr>
           <p:nvPr>
             <p:extLst>
               <p:ext uri="{D42A27DB-BD31-4B8C-83A1-F6EECF244321}">
-                <p14:modId xmlns:p14="http://schemas.microsoft.com/office/powerpoint/2010/main" val="638422090"/>
+                <p14:modId xmlns:p14="http://schemas.microsoft.com/office/powerpoint/2010/main" val="915711850"/>
               </p:ext>
             </p:extLst>
           </p:nvPr>
         </p:nvGraphicFramePr>
         <p:xfrm>
-          <a:off x="-97187" y="-64729"/>
+          <a:off x="0" y="-60718"/>
           <a:ext cx="4278428" cy="2632026"/>
         </p:xfrm>
         <a:graphic>
